--- a/과제/과제ppt/과제6일차.pptx
+++ b/과제/과제ppt/과제6일차.pptx
@@ -7625,6 +7625,13 @@
   <p:clrMapOvr>
     <a:masterClrMapping/>
   </p:clrMapOvr>
+  <p:timing>
+    <p:tnLst>
+      <p:par>
+        <p:cTn id="1" dur="indefinite" restart="never" nodeType="tmRoot"/>
+      </p:par>
+    </p:tnLst>
+  </p:timing>
 </p:sld>
 </file>
 
@@ -7891,6 +7898,54 @@
           </a:p>
         </p:txBody>
       </p:sp>
+      <p:pic>
+        <p:nvPicPr>
+          <p:cNvPr id="5" name="그림 4"/>
+          <p:cNvPicPr>
+            <a:picLocks noChangeAspect="1"/>
+          </p:cNvPicPr>
+          <p:nvPr/>
+        </p:nvPicPr>
+        <p:blipFill>
+          <a:blip r:embed="rId2"/>
+          <a:stretch>
+            <a:fillRect/>
+          </a:stretch>
+        </p:blipFill>
+        <p:spPr>
+          <a:xfrm>
+            <a:off x="283464" y="0"/>
+            <a:ext cx="4636034" cy="6858000"/>
+          </a:xfrm>
+          <a:prstGeom prst="rect">
+            <a:avLst/>
+          </a:prstGeom>
+        </p:spPr>
+      </p:pic>
+      <p:pic>
+        <p:nvPicPr>
+          <p:cNvPr id="6" name="그림 5"/>
+          <p:cNvPicPr>
+            <a:picLocks noChangeAspect="1"/>
+          </p:cNvPicPr>
+          <p:nvPr/>
+        </p:nvPicPr>
+        <p:blipFill>
+          <a:blip r:embed="rId3"/>
+          <a:stretch>
+            <a:fillRect/>
+          </a:stretch>
+        </p:blipFill>
+        <p:spPr>
+          <a:xfrm>
+            <a:off x="4919498" y="-1008"/>
+            <a:ext cx="2755563" cy="2287007"/>
+          </a:xfrm>
+          <a:prstGeom prst="rect">
+            <a:avLst/>
+          </a:prstGeom>
+        </p:spPr>
+      </p:pic>
     </p:spTree>
     <p:extLst>
       <p:ext uri="{BB962C8B-B14F-4D97-AF65-F5344CB8AC3E}">
@@ -7901,6 +7956,13 @@
   <p:clrMapOvr>
     <a:masterClrMapping/>
   </p:clrMapOvr>
+  <p:timing>
+    <p:tnLst>
+      <p:par>
+        <p:cTn id="1" dur="indefinite" restart="never" nodeType="tmRoot"/>
+      </p:par>
+    </p:tnLst>
+  </p:timing>
 </p:sld>
 </file>
 
